--- a/PintOS - File System.pptx
+++ b/PintOS - File System.pptx
@@ -29914,7 +29914,7 @@
           <a:p>
             <a:fld id="{E640E3D6-2590-4DDA-901E-DACCDB86D7E1}" type="datetimeFigureOut">
               <a:rPr lang="it-IT" smtClean="0"/>
-              <a:t>20/01/2024</a:t>
+              <a:t>21/01/2024</a:t>
             </a:fld>
             <a:endParaRPr lang="it-IT"/>
           </a:p>
@@ -30424,7 +30424,7 @@
           <a:p>
             <a:fld id="{94C7F2E0-36B5-4D8A-9BE2-BDD45E9AC1F1}" type="datetime1">
               <a:rPr lang="en-US" smtClean="0"/>
-              <a:t>1/20/2024</a:t>
+              <a:t>1/21/2024</a:t>
             </a:fld>
             <a:endParaRPr lang="en-US" dirty="0"/>
           </a:p>
@@ -30689,7 +30689,7 @@
           <a:p>
             <a:fld id="{3CABBF3E-9CCD-4DFD-9DE6-E65E819AAC2F}" type="datetime1">
               <a:rPr lang="en-US" smtClean="0"/>
-              <a:t>1/20/2024</a:t>
+              <a:t>1/21/2024</a:t>
             </a:fld>
             <a:endParaRPr lang="en-US" dirty="0"/>
           </a:p>
@@ -30927,7 +30927,7 @@
           <a:p>
             <a:fld id="{98F8CD93-0502-4655-BB46-0D6C7F10AECF}" type="datetime1">
               <a:rPr lang="en-US" smtClean="0"/>
-              <a:t>1/20/2024</a:t>
+              <a:t>1/21/2024</a:t>
             </a:fld>
             <a:endParaRPr lang="en-US" dirty="0"/>
           </a:p>
@@ -31170,7 +31170,7 @@
           <a:p>
             <a:fld id="{720B43F8-605E-4AD5-801E-CACDB0873B39}" type="datetime1">
               <a:rPr lang="en-US" smtClean="0"/>
-              <a:t>1/20/2024</a:t>
+              <a:t>1/21/2024</a:t>
             </a:fld>
             <a:endParaRPr lang="en-US" dirty="0"/>
           </a:p>
@@ -31481,7 +31481,7 @@
           <a:p>
             <a:fld id="{E027401D-B665-4467-BA0D-77D63B844B8D}" type="datetime1">
               <a:rPr lang="en-US" smtClean="0"/>
-              <a:t>1/20/2024</a:t>
+              <a:t>1/21/2024</a:t>
             </a:fld>
             <a:endParaRPr lang="en-US" dirty="0"/>
           </a:p>
@@ -31785,7 +31785,7 @@
           <a:p>
             <a:fld id="{6C6241F4-B0DA-462D-A9E1-9A511D406C6B}" type="datetime1">
               <a:rPr lang="en-US" smtClean="0"/>
-              <a:t>1/20/2024</a:t>
+              <a:t>1/21/2024</a:t>
             </a:fld>
             <a:endParaRPr lang="en-US" dirty="0"/>
           </a:p>
@@ -32209,7 +32209,7 @@
           <a:p>
             <a:fld id="{CEE254CA-7778-40FD-B028-B6164377AAFB}" type="datetime1">
               <a:rPr lang="en-US" smtClean="0"/>
-              <a:t>1/20/2024</a:t>
+              <a:t>1/21/2024</a:t>
             </a:fld>
             <a:endParaRPr lang="en-US" dirty="0"/>
           </a:p>
@@ -32309,7 +32309,7 @@
           <a:p>
             <a:fld id="{6A4CD695-AE62-46CF-B7EE-F05A7804D5CC}" type="datetime1">
               <a:rPr lang="en-US" smtClean="0"/>
-              <a:t>1/20/2024</a:t>
+              <a:t>1/21/2024</a:t>
             </a:fld>
             <a:endParaRPr lang="en-US" dirty="0"/>
           </a:p>
@@ -32475,7 +32475,7 @@
           <a:p>
             <a:fld id="{79A70693-DA76-4E1F-A5BE-0DAE5F7185AF}" type="datetime1">
               <a:rPr lang="en-US" smtClean="0"/>
-              <a:t>1/20/2024</a:t>
+              <a:t>1/21/2024</a:t>
             </a:fld>
             <a:endParaRPr lang="en-US" dirty="0"/>
           </a:p>
@@ -32856,7 +32856,7 @@
           <a:p>
             <a:fld id="{B88BD6FC-8209-4A64-AF37-114108C0D6D3}" type="datetime1">
               <a:rPr lang="en-US" smtClean="0"/>
-              <a:t>1/20/2024</a:t>
+              <a:t>1/21/2024</a:t>
             </a:fld>
             <a:endParaRPr lang="en-US" dirty="0"/>
           </a:p>
@@ -33145,7 +33145,7 @@
           <a:p>
             <a:fld id="{C3066B27-B575-4343-B523-ADDD5D507A59}" type="datetime1">
               <a:rPr lang="en-US" smtClean="0"/>
-              <a:t>1/20/2024</a:t>
+              <a:t>1/21/2024</a:t>
             </a:fld>
             <a:endParaRPr lang="en-US" dirty="0"/>
           </a:p>
@@ -33215,9 +33215,12 @@
 <p:sldMaster xmlns:a="http://schemas.openxmlformats.org/drawingml/2006/main" xmlns:r="http://schemas.openxmlformats.org/officeDocument/2006/relationships" xmlns:p="http://schemas.openxmlformats.org/presentationml/2006/main">
   <p:cSld>
     <p:bg>
-      <p:bgRef idx="1001">
-        <a:schemeClr val="bg1"/>
-      </p:bgRef>
+      <p:bgPr>
+        <a:solidFill>
+          <a:srgbClr val="E4E4E4"/>
+        </a:solidFill>
+        <a:effectLst/>
+      </p:bgPr>
     </p:bg>
     <p:spTree>
       <p:nvGrpSpPr>
@@ -33387,7 +33390,7 @@
           <a:p>
             <a:fld id="{D162E6D1-D2A6-4D6C-954C-14FC4C1658F9}" type="datetime1">
               <a:rPr lang="en-US" smtClean="0"/>
-              <a:t>1/20/2024</a:t>
+              <a:t>1/21/2024</a:t>
             </a:fld>
             <a:endParaRPr lang="en-US" dirty="0"/>
           </a:p>
@@ -33980,14 +33983,6 @@
 <file path=ppt/slides/slide1.xml><?xml version="1.0" encoding="utf-8"?>
 <p:sld xmlns:a="http://schemas.openxmlformats.org/drawingml/2006/main" xmlns:r="http://schemas.openxmlformats.org/officeDocument/2006/relationships" xmlns:p="http://schemas.openxmlformats.org/presentationml/2006/main">
   <p:cSld>
-    <p:bg>
-      <p:bgPr>
-        <a:solidFill>
-          <a:srgbClr val="E4E4E4"/>
-        </a:solidFill>
-        <a:effectLst/>
-      </p:bgPr>
-    </p:bg>
     <p:spTree>
       <p:nvGrpSpPr>
         <p:cNvPr id="1" name=""/>
@@ -34610,14 +34605,6 @@
 <file path=ppt/slides/slide2.xml><?xml version="1.0" encoding="utf-8"?>
 <p:sld xmlns:a="http://schemas.openxmlformats.org/drawingml/2006/main" xmlns:r="http://schemas.openxmlformats.org/officeDocument/2006/relationships" xmlns:p="http://schemas.openxmlformats.org/presentationml/2006/main">
   <p:cSld>
-    <p:bg>
-      <p:bgPr>
-        <a:solidFill>
-          <a:schemeClr val="bg1"/>
-        </a:solidFill>
-        <a:effectLst/>
-      </p:bgPr>
-    </p:bg>
     <p:spTree>
       <p:nvGrpSpPr>
         <p:cNvPr id="1" name=""/>
@@ -34969,14 +34956,6 @@
 <file path=ppt/slides/slide3.xml><?xml version="1.0" encoding="utf-8"?>
 <p:sld xmlns:a="http://schemas.openxmlformats.org/drawingml/2006/main" xmlns:r="http://schemas.openxmlformats.org/officeDocument/2006/relationships" xmlns:p="http://schemas.openxmlformats.org/presentationml/2006/main">
   <p:cSld>
-    <p:bg>
-      <p:bgPr>
-        <a:solidFill>
-          <a:schemeClr val="bg1"/>
-        </a:solidFill>
-        <a:effectLst/>
-      </p:bgPr>
-    </p:bg>
     <p:spTree>
       <p:nvGrpSpPr>
         <p:cNvPr id="1" name=""/>
@@ -35268,14 +35247,6 @@
 <file path=ppt/slides/slide4.xml><?xml version="1.0" encoding="utf-8"?>
 <p:sld xmlns:a="http://schemas.openxmlformats.org/drawingml/2006/main" xmlns:r="http://schemas.openxmlformats.org/officeDocument/2006/relationships" xmlns:p="http://schemas.openxmlformats.org/presentationml/2006/main">
   <p:cSld>
-    <p:bg>
-      <p:bgPr>
-        <a:solidFill>
-          <a:schemeClr val="bg1"/>
-        </a:solidFill>
-        <a:effectLst/>
-      </p:bgPr>
-    </p:bg>
     <p:spTree>
       <p:nvGrpSpPr>
         <p:cNvPr id="1" name=""/>
@@ -35639,14 +35610,6 @@
 <file path=ppt/slides/slide5.xml><?xml version="1.0" encoding="utf-8"?>
 <p:sld xmlns:a="http://schemas.openxmlformats.org/drawingml/2006/main" xmlns:r="http://schemas.openxmlformats.org/officeDocument/2006/relationships" xmlns:p="http://schemas.openxmlformats.org/presentationml/2006/main">
   <p:cSld>
-    <p:bg>
-      <p:bgPr>
-        <a:solidFill>
-          <a:schemeClr val="bg1"/>
-        </a:solidFill>
-        <a:effectLst/>
-      </p:bgPr>
-    </p:bg>
     <p:spTree>
       <p:nvGrpSpPr>
         <p:cNvPr id="1" name=""/>
@@ -35948,31 +35911,6 @@
 <file path=ppt/slides/slide6.xml><?xml version="1.0" encoding="utf-8"?>
 <p:sld xmlns:a="http://schemas.openxmlformats.org/drawingml/2006/main" xmlns:r="http://schemas.openxmlformats.org/officeDocument/2006/relationships" xmlns:p="http://schemas.openxmlformats.org/presentationml/2006/main">
   <p:cSld>
-    <p:bg>
-      <p:bgPr>
-        <a:gradFill rotWithShape="1">
-          <a:gsLst>
-            <a:gs pos="0">
-              <a:schemeClr val="bg2">
-                <a:tint val="90000"/>
-                <a:lumMod val="110000"/>
-              </a:schemeClr>
-            </a:gs>
-            <a:gs pos="100000">
-              <a:schemeClr val="bg2">
-                <a:shade val="98000"/>
-                <a:satMod val="110000"/>
-                <a:lumMod val="86000"/>
-              </a:schemeClr>
-            </a:gs>
-          </a:gsLst>
-          <a:path path="circle">
-            <a:fillToRect l="50000" t="50000" r="100000" b="100000"/>
-          </a:path>
-        </a:gradFill>
-        <a:effectLst/>
-      </p:bgPr>
-    </p:bg>
     <p:spTree>
       <p:nvGrpSpPr>
         <p:cNvPr id="1" name=""/>
@@ -35987,69 +35925,6 @@
           <a:chExt cx="0" cy="0"/>
         </a:xfrm>
       </p:grpSpPr>
-      <p:sp>
-        <p:nvSpPr>
-          <p:cNvPr id="10" name="Rectangle 9">
-            <a:extLst>
-              <a:ext uri="{FF2B5EF4-FFF2-40B4-BE49-F238E27FC236}">
-                <a16:creationId xmlns:a16="http://schemas.microsoft.com/office/drawing/2014/main" id="{CE8BCA1D-ACDF-4D63-9AA0-366C4F8553DD}"/>
-              </a:ext>
-              <a:ext uri="{C183D7F6-B498-43B3-948B-1728B52AA6E4}">
-                <adec:decorative xmlns:adec="http://schemas.microsoft.com/office/drawing/2017/decorative" val="1"/>
-              </a:ext>
-            </a:extLst>
-          </p:cNvPr>
-          <p:cNvSpPr>
-            <a:spLocks noGrp="1" noRot="1" noChangeAspect="1" noMove="1" noResize="1" noEditPoints="1" noAdjustHandles="1" noChangeArrowheads="1" noChangeShapeType="1" noTextEdit="1"/>
-          </p:cNvSpPr>
-          <p:nvPr>
-            <p:extLst>
-              <p:ext uri="{386F3935-93C4-4BCD-93E2-E3B085C9AB24}">
-                <p16:designElem xmlns:p16="http://schemas.microsoft.com/office/powerpoint/2015/main" val="1"/>
-              </p:ext>
-            </p:extLst>
-          </p:nvPr>
-        </p:nvSpPr>
-        <p:spPr>
-          <a:xfrm>
-            <a:off x="0" y="0"/>
-            <a:ext cx="12191999" cy="6858001"/>
-          </a:xfrm>
-          <a:prstGeom prst="rect">
-            <a:avLst/>
-          </a:prstGeom>
-          <a:solidFill>
-            <a:schemeClr val="tx1"/>
-          </a:solidFill>
-          <a:ln>
-            <a:noFill/>
-          </a:ln>
-        </p:spPr>
-        <p:style>
-          <a:lnRef idx="2">
-            <a:schemeClr val="accent1">
-              <a:shade val="50000"/>
-            </a:schemeClr>
-          </a:lnRef>
-          <a:fillRef idx="1">
-            <a:schemeClr val="accent1"/>
-          </a:fillRef>
-          <a:effectRef idx="0">
-            <a:schemeClr val="accent1"/>
-          </a:effectRef>
-          <a:fontRef idx="minor">
-            <a:schemeClr val="lt1"/>
-          </a:fontRef>
-        </p:style>
-        <p:txBody>
-          <a:bodyPr rtlCol="0" anchor="ctr"/>
-          <a:lstStyle/>
-          <a:p>
-            <a:pPr algn="ctr"/>
-            <a:endParaRPr lang="en-US"/>
-          </a:p>
-        </p:txBody>
-      </p:sp>
       <p:sp>
         <p:nvSpPr>
           <p:cNvPr id="2" name="Titolo 1">
@@ -36087,250 +35962,6 @@
               </a:rPr>
               <a:t>Operazioni sulle directory</a:t>
             </a:r>
-          </a:p>
-        </p:txBody>
-      </p:sp>
-      <p:sp>
-        <p:nvSpPr>
-          <p:cNvPr id="12" name="Rectangle 11">
-            <a:extLst>
-              <a:ext uri="{FF2B5EF4-FFF2-40B4-BE49-F238E27FC236}">
-                <a16:creationId xmlns:a16="http://schemas.microsoft.com/office/drawing/2014/main" id="{5DB82E3F-D9C4-42E7-AABF-D760C2F5615B}"/>
-              </a:ext>
-              <a:ext uri="{C183D7F6-B498-43B3-948B-1728B52AA6E4}">
-                <adec:decorative xmlns:adec="http://schemas.microsoft.com/office/drawing/2017/decorative" val="1"/>
-              </a:ext>
-            </a:extLst>
-          </p:cNvPr>
-          <p:cNvSpPr>
-            <a:spLocks noGrp="1" noRot="1" noChangeAspect="1" noMove="1" noResize="1" noEditPoints="1" noAdjustHandles="1" noChangeArrowheads="1" noChangeShapeType="1" noTextEdit="1"/>
-          </p:cNvSpPr>
-          <p:nvPr>
-            <p:extLst>
-              <p:ext uri="{386F3935-93C4-4BCD-93E2-E3B085C9AB24}">
-                <p16:designElem xmlns:p16="http://schemas.microsoft.com/office/powerpoint/2015/main" val="1"/>
-              </p:ext>
-            </p:extLst>
-          </p:nvPr>
-        </p:nvSpPr>
-        <p:spPr>
-          <a:xfrm>
-            <a:off x="446534" y="457200"/>
-            <a:ext cx="3703320" cy="94997"/>
-          </a:xfrm>
-          <a:prstGeom prst="rect">
-            <a:avLst/>
-          </a:prstGeom>
-          <a:solidFill>
-            <a:schemeClr val="accent1"/>
-          </a:solidFill>
-          <a:ln>
-            <a:noFill/>
-          </a:ln>
-          <a:effectLst/>
-        </p:spPr>
-        <p:style>
-          <a:lnRef idx="1">
-            <a:schemeClr val="accent1"/>
-          </a:lnRef>
-          <a:fillRef idx="3">
-            <a:schemeClr val="accent1"/>
-          </a:fillRef>
-          <a:effectRef idx="2">
-            <a:schemeClr val="accent1"/>
-          </a:effectRef>
-          <a:fontRef idx="minor">
-            <a:schemeClr val="lt1"/>
-          </a:fontRef>
-        </p:style>
-        <p:txBody>
-          <a:bodyPr/>
-          <a:lstStyle/>
-          <a:p>
-            <a:endParaRPr lang="it-IT"/>
-          </a:p>
-        </p:txBody>
-      </p:sp>
-      <p:sp>
-        <p:nvSpPr>
-          <p:cNvPr id="14" name="Rectangle 13">
-            <a:extLst>
-              <a:ext uri="{FF2B5EF4-FFF2-40B4-BE49-F238E27FC236}">
-                <a16:creationId xmlns:a16="http://schemas.microsoft.com/office/drawing/2014/main" id="{5F145784-B126-48E6-B33B-0BEA2EBF1884}"/>
-              </a:ext>
-              <a:ext uri="{C183D7F6-B498-43B3-948B-1728B52AA6E4}">
-                <adec:decorative xmlns:adec="http://schemas.microsoft.com/office/drawing/2017/decorative" val="1"/>
-              </a:ext>
-            </a:extLst>
-          </p:cNvPr>
-          <p:cNvSpPr>
-            <a:spLocks noGrp="1" noRot="1" noChangeAspect="1" noMove="1" noResize="1" noEditPoints="1" noAdjustHandles="1" noChangeArrowheads="1" noChangeShapeType="1" noTextEdit="1"/>
-          </p:cNvSpPr>
-          <p:nvPr>
-            <p:extLst>
-              <p:ext uri="{386F3935-93C4-4BCD-93E2-E3B085C9AB24}">
-                <p16:designElem xmlns:p16="http://schemas.microsoft.com/office/powerpoint/2015/main" val="1"/>
-              </p:ext>
-            </p:extLst>
-          </p:nvPr>
-        </p:nvSpPr>
-        <p:spPr>
-          <a:xfrm>
-            <a:off x="4241830" y="457200"/>
-            <a:ext cx="3703320" cy="91440"/>
-          </a:xfrm>
-          <a:prstGeom prst="rect">
-            <a:avLst/>
-          </a:prstGeom>
-          <a:solidFill>
-            <a:schemeClr val="accent2"/>
-          </a:solidFill>
-          <a:ln>
-            <a:noFill/>
-          </a:ln>
-          <a:effectLst/>
-        </p:spPr>
-        <p:style>
-          <a:lnRef idx="1">
-            <a:schemeClr val="accent1"/>
-          </a:lnRef>
-          <a:fillRef idx="3">
-            <a:schemeClr val="accent1"/>
-          </a:fillRef>
-          <a:effectRef idx="2">
-            <a:schemeClr val="accent1"/>
-          </a:effectRef>
-          <a:fontRef idx="minor">
-            <a:schemeClr val="lt1"/>
-          </a:fontRef>
-        </p:style>
-        <p:txBody>
-          <a:bodyPr/>
-          <a:lstStyle/>
-          <a:p>
-            <a:endParaRPr lang="it-IT"/>
-          </a:p>
-        </p:txBody>
-      </p:sp>
-      <p:sp>
-        <p:nvSpPr>
-          <p:cNvPr id="16" name="Rectangle 15">
-            <a:extLst>
-              <a:ext uri="{FF2B5EF4-FFF2-40B4-BE49-F238E27FC236}">
-                <a16:creationId xmlns:a16="http://schemas.microsoft.com/office/drawing/2014/main" id="{06AD7FED-ECA8-4F84-9067-C1B1E9610F13}"/>
-              </a:ext>
-              <a:ext uri="{C183D7F6-B498-43B3-948B-1728B52AA6E4}">
-                <adec:decorative xmlns:adec="http://schemas.microsoft.com/office/drawing/2017/decorative" val="1"/>
-              </a:ext>
-            </a:extLst>
-          </p:cNvPr>
-          <p:cNvSpPr>
-            <a:spLocks noGrp="1" noRot="1" noChangeAspect="1" noMove="1" noResize="1" noEditPoints="1" noAdjustHandles="1" noChangeArrowheads="1" noChangeShapeType="1" noTextEdit="1"/>
-          </p:cNvSpPr>
-          <p:nvPr>
-            <p:extLst>
-              <p:ext uri="{386F3935-93C4-4BCD-93E2-E3B085C9AB24}">
-                <p16:designElem xmlns:p16="http://schemas.microsoft.com/office/powerpoint/2015/main" val="1"/>
-              </p:ext>
-            </p:extLst>
-          </p:nvPr>
-        </p:nvSpPr>
-        <p:spPr>
-          <a:xfrm>
-            <a:off x="8042147" y="453643"/>
-            <a:ext cx="3703320" cy="98554"/>
-          </a:xfrm>
-          <a:prstGeom prst="rect">
-            <a:avLst/>
-          </a:prstGeom>
-          <a:solidFill>
-            <a:schemeClr val="accent4"/>
-          </a:solidFill>
-          <a:ln>
-            <a:noFill/>
-          </a:ln>
-          <a:effectLst/>
-        </p:spPr>
-        <p:style>
-          <a:lnRef idx="1">
-            <a:schemeClr val="accent1"/>
-          </a:lnRef>
-          <a:fillRef idx="3">
-            <a:schemeClr val="accent1"/>
-          </a:fillRef>
-          <a:effectRef idx="2">
-            <a:schemeClr val="accent1"/>
-          </a:effectRef>
-          <a:fontRef idx="minor">
-            <a:schemeClr val="lt1"/>
-          </a:fontRef>
-        </p:style>
-        <p:txBody>
-          <a:bodyPr/>
-          <a:lstStyle/>
-          <a:p>
-            <a:endParaRPr lang="it-IT"/>
-          </a:p>
-        </p:txBody>
-      </p:sp>
-      <p:sp>
-        <p:nvSpPr>
-          <p:cNvPr id="18" name="Rectangle 17">
-            <a:extLst>
-              <a:ext uri="{FF2B5EF4-FFF2-40B4-BE49-F238E27FC236}">
-                <a16:creationId xmlns:a16="http://schemas.microsoft.com/office/drawing/2014/main" id="{74DF12F2-5059-41AC-A8BD-D5E115CDC266}"/>
-              </a:ext>
-              <a:ext uri="{C183D7F6-B498-43B3-948B-1728B52AA6E4}">
-                <adec:decorative xmlns:adec="http://schemas.microsoft.com/office/drawing/2017/decorative" val="1"/>
-              </a:ext>
-            </a:extLst>
-          </p:cNvPr>
-          <p:cNvSpPr>
-            <a:spLocks noGrp="1" noRot="1" noChangeAspect="1" noMove="1" noResize="1" noEditPoints="1" noAdjustHandles="1" noChangeArrowheads="1" noChangeShapeType="1" noTextEdit="1"/>
-          </p:cNvSpPr>
-          <p:nvPr>
-            <p:extLst>
-              <p:ext uri="{386F3935-93C4-4BCD-93E2-E3B085C9AB24}">
-                <p16:designElem xmlns:p16="http://schemas.microsoft.com/office/powerpoint/2015/main" val="1"/>
-              </p:ext>
-            </p:extLst>
-          </p:nvPr>
-        </p:nvSpPr>
-        <p:spPr>
-          <a:xfrm>
-            <a:off x="4246851" y="723898"/>
-            <a:ext cx="7498616" cy="5676901"/>
-          </a:xfrm>
-          <a:prstGeom prst="rect">
-            <a:avLst/>
-          </a:prstGeom>
-          <a:solidFill>
-            <a:schemeClr val="accent1"/>
-          </a:solidFill>
-          <a:ln>
-            <a:noFill/>
-          </a:ln>
-          <a:effectLst/>
-        </p:spPr>
-        <p:style>
-          <a:lnRef idx="1">
-            <a:schemeClr val="accent1"/>
-          </a:lnRef>
-          <a:fillRef idx="3">
-            <a:schemeClr val="accent1"/>
-          </a:fillRef>
-          <a:effectRef idx="2">
-            <a:schemeClr val="accent1"/>
-          </a:effectRef>
-          <a:fontRef idx="minor">
-            <a:schemeClr val="lt1"/>
-          </a:fontRef>
-        </p:style>
-        <p:txBody>
-          <a:bodyPr/>
-          <a:lstStyle/>
-          <a:p>
-            <a:endParaRPr lang="it-IT"/>
           </a:p>
         </p:txBody>
       </p:sp>
@@ -36381,14 +36012,6 @@
 <file path=ppt/slides/slide7.xml><?xml version="1.0" encoding="utf-8"?>
 <p:sld xmlns:a="http://schemas.openxmlformats.org/drawingml/2006/main" xmlns:r="http://schemas.openxmlformats.org/officeDocument/2006/relationships" xmlns:p="http://schemas.openxmlformats.org/presentationml/2006/main">
   <p:cSld>
-    <p:bg>
-      <p:bgPr>
-        <a:solidFill>
-          <a:schemeClr val="bg1"/>
-        </a:solidFill>
-        <a:effectLst/>
-      </p:bgPr>
-    </p:bg>
     <p:spTree>
       <p:nvGrpSpPr>
         <p:cNvPr id="1" name=""/>
@@ -36666,14 +36289,6 @@
 <file path=ppt/slides/slide8.xml><?xml version="1.0" encoding="utf-8"?>
 <p:sld xmlns:a="http://schemas.openxmlformats.org/drawingml/2006/main" xmlns:r="http://schemas.openxmlformats.org/officeDocument/2006/relationships" xmlns:p="http://schemas.openxmlformats.org/presentationml/2006/main">
   <p:cSld>
-    <p:bg>
-      <p:bgPr>
-        <a:solidFill>
-          <a:srgbClr val="E4E4E4"/>
-        </a:solidFill>
-        <a:effectLst/>
-      </p:bgPr>
-    </p:bg>
     <p:spTree>
       <p:nvGrpSpPr>
         <p:cNvPr id="1" name=""/>
@@ -36799,14 +36414,6 @@
 <file path=ppt/slides/slide9.xml><?xml version="1.0" encoding="utf-8"?>
 <p:sld xmlns:a="http://schemas.openxmlformats.org/drawingml/2006/main" xmlns:r="http://schemas.openxmlformats.org/officeDocument/2006/relationships" xmlns:p="http://schemas.openxmlformats.org/presentationml/2006/main">
   <p:cSld>
-    <p:bg>
-      <p:bgPr>
-        <a:solidFill>
-          <a:srgbClr val="E4E4E4"/>
-        </a:solidFill>
-        <a:effectLst/>
-      </p:bgPr>
-    </p:bg>
     <p:spTree>
       <p:nvGrpSpPr>
         <p:cNvPr id="1" name=""/>
